--- a/05-VUE-Router-Example/vue-cli.pptx
+++ b/05-VUE-Router-Example/vue-cli.pptx
@@ -7,6 +7,7 @@
   <p:sldIdLst>
     <p:sldId id="256" r:id="rId2"/>
     <p:sldId id="279" r:id="rId3"/>
+    <p:sldId id="280" r:id="rId4"/>
   </p:sldIdLst>
   <p:sldSz cx="12192000" cy="6858000"/>
   <p:notesSz cx="6858000" cy="9144000"/>
@@ -3642,6 +3643,226 @@
 </p:sld>
 </file>
 
+<file path=ppt/slides/slide3.xml><?xml version="1.0" encoding="utf-8"?>
+<p:sld xmlns:a="http://schemas.openxmlformats.org/drawingml/2006/main" xmlns:r="http://schemas.openxmlformats.org/officeDocument/2006/relationships" xmlns:p="http://schemas.openxmlformats.org/presentationml/2006/main">
+  <p:cSld>
+    <p:spTree>
+      <p:nvGrpSpPr>
+        <p:cNvPr id="1" name=""/>
+        <p:cNvGrpSpPr/>
+        <p:nvPr/>
+      </p:nvGrpSpPr>
+      <p:grpSpPr>
+        <a:xfrm>
+          <a:off x="0" y="0"/>
+          <a:ext cx="0" cy="0"/>
+          <a:chOff x="0" y="0"/>
+          <a:chExt cx="0" cy="0"/>
+        </a:xfrm>
+      </p:grpSpPr>
+      <p:sp>
+        <p:nvSpPr>
+          <p:cNvPr id="2" name="標題 1">
+            <a:extLst>
+              <a:ext uri="{FF2B5EF4-FFF2-40B4-BE49-F238E27FC236}">
+                <a16:creationId xmlns:a16="http://schemas.microsoft.com/office/drawing/2014/main" id="{1B2F127E-716F-4ED8-90D4-6A9EA6B3CE0F}"/>
+              </a:ext>
+            </a:extLst>
+          </p:cNvPr>
+          <p:cNvSpPr>
+            <a:spLocks noGrp="1"/>
+          </p:cNvSpPr>
+          <p:nvPr>
+            <p:ph type="title"/>
+          </p:nvPr>
+        </p:nvSpPr>
+        <p:spPr>
+          <a:xfrm>
+            <a:off x="679174" y="813805"/>
+            <a:ext cx="2620617" cy="469763"/>
+          </a:xfrm>
+        </p:spPr>
+        <p:txBody>
+          <a:bodyPr>
+            <a:normAutofit/>
+          </a:bodyPr>
+          <a:lstStyle/>
+          <a:p>
+            <a:r>
+              <a:rPr lang="zh-TW" altLang="en-US" sz="2400" b="1" dirty="0">
+                <a:solidFill>
+                  <a:schemeClr val="bg1"/>
+                </a:solidFill>
+                <a:latin typeface="微軟正黑體" panose="020B0604030504040204" pitchFamily="34" charset="-120"/>
+                <a:ea typeface="微軟正黑體" panose="020B0604030504040204" pitchFamily="34" charset="-120"/>
+              </a:rPr>
+              <a:t>課堂上用 </a:t>
+            </a:r>
+            <a:r>
+              <a:rPr lang="en-US" altLang="zh-TW" sz="2400" b="1" dirty="0">
+                <a:solidFill>
+                  <a:schemeClr val="bg1"/>
+                </a:solidFill>
+                <a:latin typeface="微軟正黑體" panose="020B0604030504040204" pitchFamily="34" charset="-120"/>
+                <a:ea typeface="微軟正黑體" panose="020B0604030504040204" pitchFamily="34" charset="-120"/>
+              </a:rPr>
+              <a:t>API</a:t>
+            </a:r>
+            <a:endParaRPr lang="zh-TW" altLang="en-US" sz="2400" b="1" dirty="0">
+              <a:solidFill>
+                <a:schemeClr val="bg1"/>
+              </a:solidFill>
+              <a:latin typeface="微軟正黑體" panose="020B0604030504040204" pitchFamily="34" charset="-120"/>
+              <a:ea typeface="微軟正黑體" panose="020B0604030504040204" pitchFamily="34" charset="-120"/>
+            </a:endParaRPr>
+          </a:p>
+        </p:txBody>
+      </p:sp>
+      <p:sp>
+        <p:nvSpPr>
+          <p:cNvPr id="5" name="文字方塊 4">
+            <a:extLst>
+              <a:ext uri="{FF2B5EF4-FFF2-40B4-BE49-F238E27FC236}">
+                <a16:creationId xmlns:a16="http://schemas.microsoft.com/office/drawing/2014/main" id="{D9595EAF-740C-4EC7-9905-7BCE5DE5B429}"/>
+              </a:ext>
+            </a:extLst>
+          </p:cNvPr>
+          <p:cNvSpPr txBox="1"/>
+          <p:nvPr/>
+        </p:nvSpPr>
+        <p:spPr>
+          <a:xfrm>
+            <a:off x="900675" y="1630585"/>
+            <a:ext cx="10134600" cy="400110"/>
+          </a:xfrm>
+          <a:prstGeom prst="rect">
+            <a:avLst/>
+          </a:prstGeom>
+          <a:noFill/>
+        </p:spPr>
+        <p:txBody>
+          <a:bodyPr wrap="square">
+            <a:spAutoFit/>
+          </a:bodyPr>
+          <a:lstStyle/>
+          <a:p>
+            <a:r>
+              <a:rPr lang="en-US" altLang="zh-TW" sz="2000" dirty="0">
+                <a:solidFill>
+                  <a:schemeClr val="bg1"/>
+                </a:solidFill>
+                <a:latin typeface="微軟正黑體" panose="020B0604030504040204" pitchFamily="34" charset="-120"/>
+                <a:ea typeface="微軟正黑體" panose="020B0604030504040204" pitchFamily="34" charset="-120"/>
+              </a:rPr>
+              <a:t>https://vue-lessons-api.herokuapp.com/courses/list</a:t>
+            </a:r>
+            <a:r>
+              <a:rPr lang="zh-TW" altLang="en-US" sz="2000" dirty="0">
+                <a:solidFill>
+                  <a:schemeClr val="bg1"/>
+                </a:solidFill>
+                <a:latin typeface="微軟正黑體" panose="020B0604030504040204" pitchFamily="34" charset="-120"/>
+                <a:ea typeface="微軟正黑體" panose="020B0604030504040204" pitchFamily="34" charset="-120"/>
+              </a:rPr>
+              <a:t>    </a:t>
+            </a:r>
+            <a:r>
+              <a:rPr lang="en-US" altLang="zh-TW" sz="2000" dirty="0">
+                <a:solidFill>
+                  <a:schemeClr val="bg1"/>
+                </a:solidFill>
+                <a:latin typeface="微軟正黑體" panose="020B0604030504040204" pitchFamily="34" charset="-120"/>
+                <a:ea typeface="微軟正黑體" panose="020B0604030504040204" pitchFamily="34" charset="-120"/>
+              </a:rPr>
+              <a:t>// </a:t>
+            </a:r>
+            <a:r>
+              <a:rPr lang="zh-TW" altLang="en-US" sz="2000" dirty="0">
+                <a:solidFill>
+                  <a:schemeClr val="bg1"/>
+                </a:solidFill>
+                <a:latin typeface="微軟正黑體" panose="020B0604030504040204" pitchFamily="34" charset="-120"/>
+                <a:ea typeface="微軟正黑體" panose="020B0604030504040204" pitchFamily="34" charset="-120"/>
+              </a:rPr>
+              <a:t>取得課程列表</a:t>
+            </a:r>
+          </a:p>
+        </p:txBody>
+      </p:sp>
+      <p:sp>
+        <p:nvSpPr>
+          <p:cNvPr id="9" name="文字方塊 8">
+            <a:extLst>
+              <a:ext uri="{FF2B5EF4-FFF2-40B4-BE49-F238E27FC236}">
+                <a16:creationId xmlns:a16="http://schemas.microsoft.com/office/drawing/2014/main" id="{C0324B58-9DC6-42B1-B5A1-73E7ED7FCBA2}"/>
+              </a:ext>
+            </a:extLst>
+          </p:cNvPr>
+          <p:cNvSpPr txBox="1"/>
+          <p:nvPr/>
+        </p:nvSpPr>
+        <p:spPr>
+          <a:xfrm>
+            <a:off x="900675" y="2163511"/>
+            <a:ext cx="10134600" cy="400110"/>
+          </a:xfrm>
+          <a:prstGeom prst="rect">
+            <a:avLst/>
+          </a:prstGeom>
+          <a:noFill/>
+        </p:spPr>
+        <p:txBody>
+          <a:bodyPr wrap="square">
+            <a:spAutoFit/>
+          </a:bodyPr>
+          <a:lstStyle/>
+          <a:p>
+            <a:r>
+              <a:rPr lang="zh-TW" altLang="en-US" sz="2000" dirty="0">
+                <a:solidFill>
+                  <a:schemeClr val="bg1"/>
+                </a:solidFill>
+                <a:latin typeface="微軟正黑體" panose="020B0604030504040204" pitchFamily="34" charset="-120"/>
+                <a:ea typeface="微軟正黑體" panose="020B0604030504040204" pitchFamily="34" charset="-120"/>
+              </a:rPr>
+              <a:t>https://vue-lessons-api.herokuapp.com/courses/</a:t>
+            </a:r>
+            <a:r>
+              <a:rPr lang="en-US" altLang="zh-TW" sz="2000" dirty="0">
+                <a:solidFill>
+                  <a:schemeClr val="bg1"/>
+                </a:solidFill>
+                <a:latin typeface="微軟正黑體" panose="020B0604030504040204" pitchFamily="34" charset="-120"/>
+                <a:ea typeface="微軟正黑體" panose="020B0604030504040204" pitchFamily="34" charset="-120"/>
+              </a:rPr>
+              <a:t>{id}   // </a:t>
+            </a:r>
+            <a:r>
+              <a:rPr lang="zh-TW" altLang="en-US" sz="2000" dirty="0">
+                <a:solidFill>
+                  <a:schemeClr val="bg1"/>
+                </a:solidFill>
+                <a:latin typeface="微軟正黑體" panose="020B0604030504040204" pitchFamily="34" charset="-120"/>
+                <a:ea typeface="微軟正黑體" panose="020B0604030504040204" pitchFamily="34" charset="-120"/>
+              </a:rPr>
+              <a:t>取得單一課程內容</a:t>
+            </a:r>
+          </a:p>
+        </p:txBody>
+      </p:sp>
+    </p:spTree>
+    <p:extLst>
+      <p:ext uri="{BB962C8B-B14F-4D97-AF65-F5344CB8AC3E}">
+        <p14:creationId xmlns:p14="http://schemas.microsoft.com/office/powerpoint/2010/main" val="878194699"/>
+      </p:ext>
+    </p:extLst>
+  </p:cSld>
+  <p:clrMapOvr>
+    <a:masterClrMapping/>
+  </p:clrMapOvr>
+</p:sld>
+</file>
+
 <file path=ppt/theme/theme1.xml><?xml version="1.0" encoding="utf-8"?>
 <a:theme xmlns:a="http://schemas.openxmlformats.org/drawingml/2006/main" name="Office 佈景主題">
   <a:themeElements>

--- a/05-VUE-Router-Example/vue-cli.pptx
+++ b/05-VUE-Router-Example/vue-cli.pptx
@@ -6,8 +6,9 @@
   </p:sldMasterIdLst>
   <p:sldIdLst>
     <p:sldId id="256" r:id="rId2"/>
-    <p:sldId id="279" r:id="rId3"/>
-    <p:sldId id="280" r:id="rId4"/>
+    <p:sldId id="281" r:id="rId3"/>
+    <p:sldId id="279" r:id="rId4"/>
+    <p:sldId id="280" r:id="rId5"/>
   </p:sldIdLst>
   <p:sldSz cx="12192000" cy="6858000"/>
   <p:notesSz cx="6858000" cy="9144000"/>
@@ -3506,6 +3507,308 @@
       </p:grpSpPr>
       <p:sp>
         <p:nvSpPr>
+          <p:cNvPr id="4" name="標題 3">
+            <a:extLst>
+              <a:ext uri="{FF2B5EF4-FFF2-40B4-BE49-F238E27FC236}">
+                <a16:creationId xmlns:a16="http://schemas.microsoft.com/office/drawing/2014/main" id="{D5571D0D-5501-4275-869E-CE93C97E7F8A}"/>
+              </a:ext>
+            </a:extLst>
+          </p:cNvPr>
+          <p:cNvSpPr>
+            <a:spLocks noGrp="1"/>
+          </p:cNvSpPr>
+          <p:nvPr>
+            <p:ph type="title"/>
+          </p:nvPr>
+        </p:nvSpPr>
+        <p:spPr>
+          <a:xfrm>
+            <a:off x="838200" y="1374439"/>
+            <a:ext cx="10515600" cy="965516"/>
+          </a:xfrm>
+        </p:spPr>
+        <p:txBody>
+          <a:bodyPr>
+            <a:normAutofit fontScale="90000"/>
+          </a:bodyPr>
+          <a:lstStyle/>
+          <a:p>
+            <a:pPr>
+              <a:lnSpc>
+                <a:spcPct val="150000"/>
+              </a:lnSpc>
+            </a:pPr>
+            <a:r>
+              <a:rPr lang="en-US" altLang="zh-TW" dirty="0" err="1">
+                <a:solidFill>
+                  <a:schemeClr val="bg1"/>
+                </a:solidFill>
+                <a:latin typeface="微軟正黑體" panose="020B0604030504040204" pitchFamily="34" charset="-120"/>
+                <a:ea typeface="微軟正黑體" panose="020B0604030504040204" pitchFamily="34" charset="-120"/>
+              </a:rPr>
+              <a:t>useRoute</a:t>
+            </a:r>
+            <a:endParaRPr lang="zh-TW" altLang="en-US" dirty="0">
+              <a:solidFill>
+                <a:schemeClr val="bg1"/>
+              </a:solidFill>
+              <a:latin typeface="微軟正黑體" panose="020B0604030504040204" pitchFamily="34" charset="-120"/>
+              <a:ea typeface="微軟正黑體" panose="020B0604030504040204" pitchFamily="34" charset="-120"/>
+            </a:endParaRPr>
+          </a:p>
+        </p:txBody>
+      </p:sp>
+      <p:sp>
+        <p:nvSpPr>
+          <p:cNvPr id="6" name="標題 3">
+            <a:extLst>
+              <a:ext uri="{FF2B5EF4-FFF2-40B4-BE49-F238E27FC236}">
+                <a16:creationId xmlns:a16="http://schemas.microsoft.com/office/drawing/2014/main" id="{1EAB5C8A-25B9-4324-A2F5-3734AF8ED10F}"/>
+              </a:ext>
+            </a:extLst>
+          </p:cNvPr>
+          <p:cNvSpPr txBox="1">
+            <a:spLocks/>
+          </p:cNvSpPr>
+          <p:nvPr/>
+        </p:nvSpPr>
+        <p:spPr>
+          <a:xfrm>
+            <a:off x="838200" y="3180522"/>
+            <a:ext cx="10515600" cy="1066800"/>
+          </a:xfrm>
+          <a:prstGeom prst="rect">
+            <a:avLst/>
+          </a:prstGeom>
+        </p:spPr>
+        <p:txBody>
+          <a:bodyPr vert="horz" lIns="91440" tIns="45720" rIns="91440" bIns="45720" rtlCol="0" anchor="ctr">
+            <a:normAutofit fontScale="97500"/>
+          </a:bodyPr>
+          <a:lstStyle>
+            <a:lvl1pPr algn="l" defTabSz="914400" rtl="0" eaLnBrk="1" latinLnBrk="0" hangingPunct="1">
+              <a:lnSpc>
+                <a:spcPct val="90000"/>
+              </a:lnSpc>
+              <a:spcBef>
+                <a:spcPct val="0"/>
+              </a:spcBef>
+              <a:buNone/>
+              <a:defRPr sz="4400" kern="1200">
+                <a:solidFill>
+                  <a:schemeClr val="tx1"/>
+                </a:solidFill>
+                <a:latin typeface="+mj-lt"/>
+                <a:ea typeface="+mj-ea"/>
+                <a:cs typeface="+mj-cs"/>
+              </a:defRPr>
+            </a:lvl1pPr>
+          </a:lstStyle>
+          <a:p>
+            <a:pPr>
+              <a:lnSpc>
+                <a:spcPct val="150000"/>
+              </a:lnSpc>
+            </a:pPr>
+            <a:r>
+              <a:rPr lang="en-US" altLang="zh-TW" dirty="0" err="1">
+                <a:solidFill>
+                  <a:schemeClr val="bg1"/>
+                </a:solidFill>
+                <a:latin typeface="微軟正黑體" panose="020B0604030504040204" pitchFamily="34" charset="-120"/>
+                <a:ea typeface="微軟正黑體" panose="020B0604030504040204" pitchFamily="34" charset="-120"/>
+              </a:rPr>
+              <a:t>useRouter</a:t>
+            </a:r>
+            <a:endParaRPr lang="zh-TW" altLang="en-US" dirty="0">
+              <a:solidFill>
+                <a:schemeClr val="bg1"/>
+              </a:solidFill>
+              <a:latin typeface="微軟正黑體" panose="020B0604030504040204" pitchFamily="34" charset="-120"/>
+              <a:ea typeface="微軟正黑體" panose="020B0604030504040204" pitchFamily="34" charset="-120"/>
+            </a:endParaRPr>
+          </a:p>
+        </p:txBody>
+      </p:sp>
+      <p:sp>
+        <p:nvSpPr>
+          <p:cNvPr id="7" name="標題 3">
+            <a:extLst>
+              <a:ext uri="{FF2B5EF4-FFF2-40B4-BE49-F238E27FC236}">
+                <a16:creationId xmlns:a16="http://schemas.microsoft.com/office/drawing/2014/main" id="{D70F09DB-CDEA-4CD6-98A6-6C76C15E4D6A}"/>
+              </a:ext>
+            </a:extLst>
+          </p:cNvPr>
+          <p:cNvSpPr txBox="1">
+            <a:spLocks/>
+          </p:cNvSpPr>
+          <p:nvPr/>
+        </p:nvSpPr>
+        <p:spPr>
+          <a:xfrm>
+            <a:off x="838200" y="2215006"/>
+            <a:ext cx="10515600" cy="550912"/>
+          </a:xfrm>
+          <a:prstGeom prst="rect">
+            <a:avLst/>
+          </a:prstGeom>
+        </p:spPr>
+        <p:txBody>
+          <a:bodyPr vert="horz" lIns="91440" tIns="45720" rIns="91440" bIns="45720" rtlCol="0" anchor="ctr">
+            <a:normAutofit fontScale="90000" lnSpcReduction="20000"/>
+          </a:bodyPr>
+          <a:lstStyle>
+            <a:lvl1pPr algn="l" defTabSz="914400" rtl="0" eaLnBrk="1" latinLnBrk="0" hangingPunct="1">
+              <a:lnSpc>
+                <a:spcPct val="90000"/>
+              </a:lnSpc>
+              <a:spcBef>
+                <a:spcPct val="0"/>
+              </a:spcBef>
+              <a:buNone/>
+              <a:defRPr sz="4400" kern="1200">
+                <a:solidFill>
+                  <a:schemeClr val="tx1"/>
+                </a:solidFill>
+                <a:latin typeface="+mj-lt"/>
+                <a:ea typeface="+mj-ea"/>
+                <a:cs typeface="+mj-cs"/>
+              </a:defRPr>
+            </a:lvl1pPr>
+          </a:lstStyle>
+          <a:p>
+            <a:pPr>
+              <a:lnSpc>
+                <a:spcPct val="150000"/>
+              </a:lnSpc>
+            </a:pPr>
+            <a:r>
+              <a:rPr lang="zh-TW" altLang="en-US" sz="2800" dirty="0">
+                <a:solidFill>
+                  <a:schemeClr val="bg1"/>
+                </a:solidFill>
+                <a:latin typeface="微軟正黑體" panose="020B0604030504040204" pitchFamily="34" charset="-120"/>
+                <a:ea typeface="微軟正黑體" panose="020B0604030504040204" pitchFamily="34" charset="-120"/>
+              </a:rPr>
+              <a:t>用來獲取網址上面的參數</a:t>
+            </a:r>
+          </a:p>
+        </p:txBody>
+      </p:sp>
+      <p:sp>
+        <p:nvSpPr>
+          <p:cNvPr id="9" name="標題 3">
+            <a:extLst>
+              <a:ext uri="{FF2B5EF4-FFF2-40B4-BE49-F238E27FC236}">
+                <a16:creationId xmlns:a16="http://schemas.microsoft.com/office/drawing/2014/main" id="{2EAAA189-4069-4112-B38D-DF551F9332EB}"/>
+              </a:ext>
+            </a:extLst>
+          </p:cNvPr>
+          <p:cNvSpPr txBox="1">
+            <a:spLocks/>
+          </p:cNvSpPr>
+          <p:nvPr/>
+        </p:nvSpPr>
+        <p:spPr>
+          <a:xfrm>
+            <a:off x="838200" y="4088294"/>
+            <a:ext cx="10515600" cy="550912"/>
+          </a:xfrm>
+          <a:prstGeom prst="rect">
+            <a:avLst/>
+          </a:prstGeom>
+        </p:spPr>
+        <p:txBody>
+          <a:bodyPr vert="horz" lIns="91440" tIns="45720" rIns="91440" bIns="45720" rtlCol="0" anchor="ctr">
+            <a:normAutofit fontScale="90000" lnSpcReduction="20000"/>
+          </a:bodyPr>
+          <a:lstStyle>
+            <a:lvl1pPr algn="l" defTabSz="914400" rtl="0" eaLnBrk="1" latinLnBrk="0" hangingPunct="1">
+              <a:lnSpc>
+                <a:spcPct val="90000"/>
+              </a:lnSpc>
+              <a:spcBef>
+                <a:spcPct val="0"/>
+              </a:spcBef>
+              <a:buNone/>
+              <a:defRPr sz="4400" kern="1200">
+                <a:solidFill>
+                  <a:schemeClr val="tx1"/>
+                </a:solidFill>
+                <a:latin typeface="+mj-lt"/>
+                <a:ea typeface="+mj-ea"/>
+                <a:cs typeface="+mj-cs"/>
+              </a:defRPr>
+            </a:lvl1pPr>
+          </a:lstStyle>
+          <a:p>
+            <a:pPr>
+              <a:lnSpc>
+                <a:spcPct val="150000"/>
+              </a:lnSpc>
+            </a:pPr>
+            <a:r>
+              <a:rPr lang="zh-TW" altLang="en-US" sz="2800" dirty="0">
+                <a:solidFill>
+                  <a:schemeClr val="bg1"/>
+                </a:solidFill>
+                <a:latin typeface="微軟正黑體" panose="020B0604030504040204" pitchFamily="34" charset="-120"/>
+                <a:ea typeface="微軟正黑體" panose="020B0604030504040204" pitchFamily="34" charset="-120"/>
+              </a:rPr>
+              <a:t>提供處理轉址相關的操作</a:t>
+            </a:r>
+            <a:r>
+              <a:rPr lang="en-US" altLang="zh-TW" sz="2800" dirty="0">
+                <a:solidFill>
+                  <a:schemeClr val="bg1"/>
+                </a:solidFill>
+                <a:latin typeface="微軟正黑體" panose="020B0604030504040204" pitchFamily="34" charset="-120"/>
+                <a:ea typeface="微軟正黑體" panose="020B0604030504040204" pitchFamily="34" charset="-120"/>
+              </a:rPr>
+              <a:t>API</a:t>
+            </a:r>
+            <a:endParaRPr lang="zh-TW" altLang="en-US" sz="2800" dirty="0">
+              <a:solidFill>
+                <a:schemeClr val="bg1"/>
+              </a:solidFill>
+              <a:latin typeface="微軟正黑體" panose="020B0604030504040204" pitchFamily="34" charset="-120"/>
+              <a:ea typeface="微軟正黑體" panose="020B0604030504040204" pitchFamily="34" charset="-120"/>
+            </a:endParaRPr>
+          </a:p>
+        </p:txBody>
+      </p:sp>
+    </p:spTree>
+    <p:extLst>
+      <p:ext uri="{BB962C8B-B14F-4D97-AF65-F5344CB8AC3E}">
+        <p14:creationId xmlns:p14="http://schemas.microsoft.com/office/powerpoint/2010/main" val="2097656707"/>
+      </p:ext>
+    </p:extLst>
+  </p:cSld>
+  <p:clrMapOvr>
+    <a:masterClrMapping/>
+  </p:clrMapOvr>
+</p:sld>
+</file>
+
+<file path=ppt/slides/slide3.xml><?xml version="1.0" encoding="utf-8"?>
+<p:sld xmlns:a="http://schemas.openxmlformats.org/drawingml/2006/main" xmlns:r="http://schemas.openxmlformats.org/officeDocument/2006/relationships" xmlns:p="http://schemas.openxmlformats.org/presentationml/2006/main">
+  <p:cSld>
+    <p:spTree>
+      <p:nvGrpSpPr>
+        <p:cNvPr id="1" name=""/>
+        <p:cNvGrpSpPr/>
+        <p:nvPr/>
+      </p:nvGrpSpPr>
+      <p:grpSpPr>
+        <a:xfrm>
+          <a:off x="0" y="0"/>
+          <a:ext cx="0" cy="0"/>
+          <a:chOff x="0" y="0"/>
+          <a:chExt cx="0" cy="0"/>
+        </a:xfrm>
+      </p:grpSpPr>
+      <p:sp>
+        <p:nvSpPr>
           <p:cNvPr id="2" name="標題 1">
             <a:extLst>
               <a:ext uri="{FF2B5EF4-FFF2-40B4-BE49-F238E27FC236}">
@@ -3643,7 +3946,7 @@
 </p:sld>
 </file>
 
-<file path=ppt/slides/slide3.xml><?xml version="1.0" encoding="utf-8"?>
+<file path=ppt/slides/slide4.xml><?xml version="1.0" encoding="utf-8"?>
 <p:sld xmlns:a="http://schemas.openxmlformats.org/drawingml/2006/main" xmlns:r="http://schemas.openxmlformats.org/officeDocument/2006/relationships" xmlns:p="http://schemas.openxmlformats.org/presentationml/2006/main">
   <p:cSld>
     <p:spTree>

--- a/05-VUE-Router-Example/vue-cli.pptx
+++ b/05-VUE-Router-Example/vue-cli.pptx
@@ -7,8 +7,7 @@
   <p:sldIdLst>
     <p:sldId id="256" r:id="rId2"/>
     <p:sldId id="281" r:id="rId3"/>
-    <p:sldId id="279" r:id="rId4"/>
-    <p:sldId id="280" r:id="rId5"/>
+    <p:sldId id="280" r:id="rId4"/>
   </p:sldIdLst>
   <p:sldSz cx="12192000" cy="6858000"/>
   <p:notesSz cx="6858000" cy="9144000"/>
@@ -274,7 +273,7 @@
           <a:p>
             <a:fld id="{55B5673A-2C76-400E-AECF-A7C5CD58B306}" type="datetimeFigureOut">
               <a:rPr lang="zh-TW" altLang="en-US" smtClean="0"/>
-              <a:t>2020/11/16</a:t>
+              <a:t>2020/11/17</a:t>
             </a:fld>
             <a:endParaRPr lang="zh-TW" altLang="en-US"/>
           </a:p>
@@ -472,7 +471,7 @@
           <a:p>
             <a:fld id="{55B5673A-2C76-400E-AECF-A7C5CD58B306}" type="datetimeFigureOut">
               <a:rPr lang="zh-TW" altLang="en-US" smtClean="0"/>
-              <a:t>2020/11/16</a:t>
+              <a:t>2020/11/17</a:t>
             </a:fld>
             <a:endParaRPr lang="zh-TW" altLang="en-US"/>
           </a:p>
@@ -680,7 +679,7 @@
           <a:p>
             <a:fld id="{55B5673A-2C76-400E-AECF-A7C5CD58B306}" type="datetimeFigureOut">
               <a:rPr lang="zh-TW" altLang="en-US" smtClean="0"/>
-              <a:t>2020/11/16</a:t>
+              <a:t>2020/11/17</a:t>
             </a:fld>
             <a:endParaRPr lang="zh-TW" altLang="en-US"/>
           </a:p>
@@ -878,7 +877,7 @@
           <a:p>
             <a:fld id="{55B5673A-2C76-400E-AECF-A7C5CD58B306}" type="datetimeFigureOut">
               <a:rPr lang="zh-TW" altLang="en-US" smtClean="0"/>
-              <a:t>2020/11/16</a:t>
+              <a:t>2020/11/17</a:t>
             </a:fld>
             <a:endParaRPr lang="zh-TW" altLang="en-US"/>
           </a:p>
@@ -1153,7 +1152,7 @@
           <a:p>
             <a:fld id="{55B5673A-2C76-400E-AECF-A7C5CD58B306}" type="datetimeFigureOut">
               <a:rPr lang="zh-TW" altLang="en-US" smtClean="0"/>
-              <a:t>2020/11/16</a:t>
+              <a:t>2020/11/17</a:t>
             </a:fld>
             <a:endParaRPr lang="zh-TW" altLang="en-US"/>
           </a:p>
@@ -1418,7 +1417,7 @@
           <a:p>
             <a:fld id="{55B5673A-2C76-400E-AECF-A7C5CD58B306}" type="datetimeFigureOut">
               <a:rPr lang="zh-TW" altLang="en-US" smtClean="0"/>
-              <a:t>2020/11/16</a:t>
+              <a:t>2020/11/17</a:t>
             </a:fld>
             <a:endParaRPr lang="zh-TW" altLang="en-US"/>
           </a:p>
@@ -1830,7 +1829,7 @@
           <a:p>
             <a:fld id="{55B5673A-2C76-400E-AECF-A7C5CD58B306}" type="datetimeFigureOut">
               <a:rPr lang="zh-TW" altLang="en-US" smtClean="0"/>
-              <a:t>2020/11/16</a:t>
+              <a:t>2020/11/17</a:t>
             </a:fld>
             <a:endParaRPr lang="zh-TW" altLang="en-US"/>
           </a:p>
@@ -1971,7 +1970,7 @@
           <a:p>
             <a:fld id="{55B5673A-2C76-400E-AECF-A7C5CD58B306}" type="datetimeFigureOut">
               <a:rPr lang="zh-TW" altLang="en-US" smtClean="0"/>
-              <a:t>2020/11/16</a:t>
+              <a:t>2020/11/17</a:t>
             </a:fld>
             <a:endParaRPr lang="zh-TW" altLang="en-US"/>
           </a:p>
@@ -2084,7 +2083,7 @@
           <a:p>
             <a:fld id="{55B5673A-2C76-400E-AECF-A7C5CD58B306}" type="datetimeFigureOut">
               <a:rPr lang="zh-TW" altLang="en-US" smtClean="0"/>
-              <a:t>2020/11/16</a:t>
+              <a:t>2020/11/17</a:t>
             </a:fld>
             <a:endParaRPr lang="zh-TW" altLang="en-US"/>
           </a:p>
@@ -2395,7 +2394,7 @@
           <a:p>
             <a:fld id="{55B5673A-2C76-400E-AECF-A7C5CD58B306}" type="datetimeFigureOut">
               <a:rPr lang="zh-TW" altLang="en-US" smtClean="0"/>
-              <a:t>2020/11/16</a:t>
+              <a:t>2020/11/17</a:t>
             </a:fld>
             <a:endParaRPr lang="zh-TW" altLang="en-US"/>
           </a:p>
@@ -2683,7 +2682,7 @@
           <a:p>
             <a:fld id="{55B5673A-2C76-400E-AECF-A7C5CD58B306}" type="datetimeFigureOut">
               <a:rPr lang="zh-TW" altLang="en-US" smtClean="0"/>
-              <a:t>2020/11/16</a:t>
+              <a:t>2020/11/17</a:t>
             </a:fld>
             <a:endParaRPr lang="zh-TW" altLang="en-US"/>
           </a:p>
@@ -2927,7 +2926,7 @@
           <a:p>
             <a:fld id="{55B5673A-2C76-400E-AECF-A7C5CD58B306}" type="datetimeFigureOut">
               <a:rPr lang="zh-TW" altLang="en-US" smtClean="0"/>
-              <a:t>2020/11/16</a:t>
+              <a:t>2020/11/17</a:t>
             </a:fld>
             <a:endParaRPr lang="zh-TW" altLang="en-US"/>
           </a:p>
@@ -3812,162 +3811,6 @@
           <p:cNvPr id="2" name="標題 1">
             <a:extLst>
               <a:ext uri="{FF2B5EF4-FFF2-40B4-BE49-F238E27FC236}">
-                <a16:creationId xmlns:a16="http://schemas.microsoft.com/office/drawing/2014/main" id="{E633A0BA-F3B5-4C42-A074-D8776A9BA3A8}"/>
-              </a:ext>
-            </a:extLst>
-          </p:cNvPr>
-          <p:cNvSpPr>
-            <a:spLocks noGrp="1"/>
-          </p:cNvSpPr>
-          <p:nvPr>
-            <p:ph type="title"/>
-          </p:nvPr>
-        </p:nvSpPr>
-        <p:spPr>
-          <a:xfrm>
-            <a:off x="897362" y="2783256"/>
-            <a:ext cx="10520806" cy="993613"/>
-          </a:xfrm>
-        </p:spPr>
-        <p:txBody>
-          <a:bodyPr>
-            <a:normAutofit/>
-          </a:bodyPr>
-          <a:lstStyle/>
-          <a:p>
-            <a:pPr algn="l"/>
-            <a:r>
-              <a:rPr lang="en-US" altLang="zh-TW" b="1" i="0" dirty="0">
-                <a:solidFill>
-                  <a:schemeClr val="bg1"/>
-                </a:solidFill>
-                <a:effectLst/>
-                <a:latin typeface="-apple-system"/>
-              </a:rPr>
-              <a:t>Nested Routes</a:t>
-            </a:r>
-            <a:endParaRPr lang="zh-TW" altLang="en-US" b="1" dirty="0">
-              <a:solidFill>
-                <a:schemeClr val="bg1"/>
-              </a:solidFill>
-            </a:endParaRPr>
-          </a:p>
-        </p:txBody>
-      </p:sp>
-      <p:sp>
-        <p:nvSpPr>
-          <p:cNvPr id="5" name="文字方塊 4">
-            <a:extLst>
-              <a:ext uri="{FF2B5EF4-FFF2-40B4-BE49-F238E27FC236}">
-                <a16:creationId xmlns:a16="http://schemas.microsoft.com/office/drawing/2014/main" id="{A26CC12C-830C-4F02-B8B3-2F23AB769E15}"/>
-              </a:ext>
-            </a:extLst>
-          </p:cNvPr>
-          <p:cNvSpPr txBox="1"/>
-          <p:nvPr/>
-        </p:nvSpPr>
-        <p:spPr>
-          <a:xfrm>
-            <a:off x="948478" y="3592203"/>
-            <a:ext cx="8566110" cy="369332"/>
-          </a:xfrm>
-          <a:prstGeom prst="rect">
-            <a:avLst/>
-          </a:prstGeom>
-          <a:noFill/>
-        </p:spPr>
-        <p:txBody>
-          <a:bodyPr wrap="square">
-            <a:spAutoFit/>
-          </a:bodyPr>
-          <a:lstStyle/>
-          <a:p>
-            <a:pPr marL="0" marR="0" lvl="0" indent="0" algn="l" defTabSz="914400" rtl="0" eaLnBrk="1" fontAlgn="auto" latinLnBrk="0" hangingPunct="1">
-              <a:lnSpc>
-                <a:spcPct val="100000"/>
-              </a:lnSpc>
-              <a:spcBef>
-                <a:spcPts val="0"/>
-              </a:spcBef>
-              <a:spcAft>
-                <a:spcPts val="0"/>
-              </a:spcAft>
-              <a:buClrTx/>
-              <a:buSzTx/>
-              <a:buFontTx/>
-              <a:buNone/>
-              <a:tabLst/>
-              <a:defRPr/>
-            </a:pPr>
-            <a:r>
-              <a:rPr kumimoji="0" lang="en-US" altLang="zh-TW" sz="1800" b="0" i="0" u="none" strike="noStrike" kern="1200" cap="none" spc="0" normalizeH="0" baseline="0" noProof="0" dirty="0">
-                <a:ln>
-                  <a:noFill/>
-                </a:ln>
-                <a:solidFill>
-                  <a:prstClr val="white"/>
-                </a:solidFill>
-                <a:effectLst/>
-                <a:uLnTx/>
-                <a:uFillTx/>
-                <a:latin typeface="Calibri" panose="020F0502020204030204"/>
-                <a:ea typeface="新細明體" panose="02020500000000000000" pitchFamily="18" charset="-120"/>
-                <a:cs typeface="+mn-cs"/>
-              </a:rPr>
-              <a:t>https://next.router.vuejs.org/guide/essentials/nested-routes.html#nested-routes</a:t>
-            </a:r>
-            <a:endParaRPr kumimoji="0" lang="zh-TW" altLang="en-US" sz="1800" b="0" i="0" u="none" strike="noStrike" kern="1200" cap="none" spc="0" normalizeH="0" baseline="0" noProof="0" dirty="0">
-              <a:ln>
-                <a:noFill/>
-              </a:ln>
-              <a:solidFill>
-                <a:prstClr val="white"/>
-              </a:solidFill>
-              <a:effectLst/>
-              <a:uLnTx/>
-              <a:uFillTx/>
-              <a:latin typeface="Calibri" panose="020F0502020204030204"/>
-              <a:ea typeface="新細明體" panose="02020500000000000000" pitchFamily="18" charset="-120"/>
-              <a:cs typeface="+mn-cs"/>
-            </a:endParaRPr>
-          </a:p>
-        </p:txBody>
-      </p:sp>
-    </p:spTree>
-    <p:extLst>
-      <p:ext uri="{BB962C8B-B14F-4D97-AF65-F5344CB8AC3E}">
-        <p14:creationId xmlns:p14="http://schemas.microsoft.com/office/powerpoint/2010/main" val="3271214199"/>
-      </p:ext>
-    </p:extLst>
-  </p:cSld>
-  <p:clrMapOvr>
-    <a:masterClrMapping/>
-  </p:clrMapOvr>
-</p:sld>
-</file>
-
-<file path=ppt/slides/slide4.xml><?xml version="1.0" encoding="utf-8"?>
-<p:sld xmlns:a="http://schemas.openxmlformats.org/drawingml/2006/main" xmlns:r="http://schemas.openxmlformats.org/officeDocument/2006/relationships" xmlns:p="http://schemas.openxmlformats.org/presentationml/2006/main">
-  <p:cSld>
-    <p:spTree>
-      <p:nvGrpSpPr>
-        <p:cNvPr id="1" name=""/>
-        <p:cNvGrpSpPr/>
-        <p:nvPr/>
-      </p:nvGrpSpPr>
-      <p:grpSpPr>
-        <a:xfrm>
-          <a:off x="0" y="0"/>
-          <a:ext cx="0" cy="0"/>
-          <a:chOff x="0" y="0"/>
-          <a:chExt cx="0" cy="0"/>
-        </a:xfrm>
-      </p:grpSpPr>
-      <p:sp>
-        <p:nvSpPr>
-          <p:cNvPr id="2" name="標題 1">
-            <a:extLst>
-              <a:ext uri="{FF2B5EF4-FFF2-40B4-BE49-F238E27FC236}">
                 <a16:creationId xmlns:a16="http://schemas.microsoft.com/office/drawing/2014/main" id="{1B2F127E-716F-4ED8-90D4-6A9EA6B3CE0F}"/>
               </a:ext>
             </a:extLst>
